--- a/slides/Mermaid Copilot SQLTuesday 2024-12.pptx
+++ b/slides/Mermaid Copilot SQLTuesday 2024-12.pptx
@@ -9890,7 +9890,23 @@
             </a:pPr>
             <a:r>
               <a:rPr lang="pt-BR" sz="2200" dirty="0"/>
-              <a:t>APIs REST e Segurança: uma visão geral</a:t>
+              <a:t>GitHub </a:t>
+            </a:r>
+            <a:r>
+              <a:rPr lang="pt-BR" sz="2200" dirty="0" err="1"/>
+              <a:t>Copilot</a:t>
+            </a:r>
+            <a:r>
+              <a:rPr lang="pt-BR" sz="2200" dirty="0"/>
+              <a:t> e </a:t>
+            </a:r>
+            <a:r>
+              <a:rPr lang="pt-BR" sz="2200" dirty="0" err="1"/>
+              <a:t>Mermaid</a:t>
+            </a:r>
+            <a:r>
+              <a:rPr lang="pt-BR" sz="2200" dirty="0"/>
+              <a:t>: uma visão geral</a:t>
             </a:r>
           </a:p>
           <a:p>
@@ -9909,27 +9925,13 @@
             </a:pPr>
             <a:r>
               <a:rPr lang="pt-BR" sz="2200" dirty="0"/>
-              <a:t>JWT, JWE</a:t>
+              <a:t>Boas práticas em diagramas </a:t>
             </a:r>
-          </a:p>
-          <a:p>
-            <a:pPr marL="457200" lvl="0" indent="-368300" algn="l" rtl="0">
-              <a:lnSpc>
-                <a:spcPct val="150000"/>
-              </a:lnSpc>
-              <a:spcBef>
-                <a:spcPts val="0"/>
-              </a:spcBef>
-              <a:spcAft>
-                <a:spcPts val="0"/>
-              </a:spcAft>
-              <a:buSzPts val="2200"/>
-              <a:buChar char="-"/>
-            </a:pPr>
             <a:r>
-              <a:rPr lang="pt-BR" sz="2200" dirty="0"/>
-              <a:t>API Gateways</a:t>
+              <a:rPr lang="pt-BR" sz="2200"/>
+              <a:t>de arquitetura</a:t>
             </a:r>
+            <a:endParaRPr lang="pt-BR" sz="2200" dirty="0"/>
           </a:p>
           <a:p>
             <a:pPr marL="457200" lvl="0" indent="-368300" algn="l" rtl="0">
